--- a/Projekt - Backend - Ágoston Attila.pptx
+++ b/Projekt - Backend - Ágoston Attila.pptx
@@ -11,6 +11,7 @@
     <p:sldId id="268" r:id="rId5"/>
     <p:sldId id="262" r:id="rId6"/>
     <p:sldId id="263" r:id="rId7"/>
+    <p:sldId id="269" r:id="rId8"/>
   </p:sldIdLst>
   <p:sldSz cx="12192000" cy="6858000"/>
   <p:notesSz cx="6858000" cy="9144000"/>
@@ -308,7 +309,7 @@
           <a:p>
             <a:fld id="{655BF6A3-BAFE-4577-B250-CF990A4A5370}" type="datetimeFigureOut">
               <a:rPr lang="hu-HU" smtClean="0"/>
-              <a:t>2025. 03. 23.</a:t>
+              <a:t>2025.03.30.</a:t>
             </a:fld>
             <a:endParaRPr lang="hu-HU"/>
           </a:p>
@@ -744,7 +745,7 @@
           <a:p>
             <a:fld id="{655BF6A3-BAFE-4577-B250-CF990A4A5370}" type="datetimeFigureOut">
               <a:rPr lang="hu-HU" smtClean="0"/>
-              <a:t>2025. 03. 23.</a:t>
+              <a:t>2025.03.30.</a:t>
             </a:fld>
             <a:endParaRPr lang="hu-HU"/>
           </a:p>
@@ -994,7 +995,7 @@
           <a:p>
             <a:fld id="{655BF6A3-BAFE-4577-B250-CF990A4A5370}" type="datetimeFigureOut">
               <a:rPr lang="hu-HU" smtClean="0"/>
-              <a:t>2025. 03. 23.</a:t>
+              <a:t>2025.03.30.</a:t>
             </a:fld>
             <a:endParaRPr lang="hu-HU"/>
           </a:p>
@@ -1302,7 +1303,7 @@
           <a:p>
             <a:fld id="{655BF6A3-BAFE-4577-B250-CF990A4A5370}" type="datetimeFigureOut">
               <a:rPr lang="hu-HU" smtClean="0"/>
-              <a:t>2025. 03. 23.</a:t>
+              <a:t>2025.03.30.</a:t>
             </a:fld>
             <a:endParaRPr lang="hu-HU"/>
           </a:p>
@@ -1620,7 +1621,7 @@
           <a:p>
             <a:fld id="{655BF6A3-BAFE-4577-B250-CF990A4A5370}" type="datetimeFigureOut">
               <a:rPr lang="hu-HU" smtClean="0"/>
-              <a:t>2025. 03. 23.</a:t>
+              <a:t>2025.03.30.</a:t>
             </a:fld>
             <a:endParaRPr lang="hu-HU"/>
           </a:p>
@@ -1922,7 +1923,7 @@
           <a:p>
             <a:fld id="{655BF6A3-BAFE-4577-B250-CF990A4A5370}" type="datetimeFigureOut">
               <a:rPr lang="hu-HU" smtClean="0"/>
-              <a:t>2025. 03. 23.</a:t>
+              <a:t>2025.03.30.</a:t>
             </a:fld>
             <a:endParaRPr lang="hu-HU"/>
           </a:p>
@@ -2289,7 +2290,7 @@
           <a:p>
             <a:fld id="{655BF6A3-BAFE-4577-B250-CF990A4A5370}" type="datetimeFigureOut">
               <a:rPr lang="hu-HU" smtClean="0"/>
-              <a:t>2025. 03. 23.</a:t>
+              <a:t>2025.03.30.</a:t>
             </a:fld>
             <a:endParaRPr lang="hu-HU"/>
           </a:p>
@@ -2463,7 +2464,7 @@
           <a:p>
             <a:fld id="{655BF6A3-BAFE-4577-B250-CF990A4A5370}" type="datetimeFigureOut">
               <a:rPr lang="hu-HU" smtClean="0"/>
-              <a:t>2025. 03. 23.</a:t>
+              <a:t>2025.03.30.</a:t>
             </a:fld>
             <a:endParaRPr lang="hu-HU"/>
           </a:p>
@@ -2643,7 +2644,7 @@
           <a:p>
             <a:fld id="{655BF6A3-BAFE-4577-B250-CF990A4A5370}" type="datetimeFigureOut">
               <a:rPr lang="hu-HU" smtClean="0"/>
-              <a:t>2025. 03. 23.</a:t>
+              <a:t>2025.03.30.</a:t>
             </a:fld>
             <a:endParaRPr lang="hu-HU"/>
           </a:p>
@@ -2813,7 +2814,7 @@
           <a:p>
             <a:fld id="{655BF6A3-BAFE-4577-B250-CF990A4A5370}" type="datetimeFigureOut">
               <a:rPr lang="hu-HU" smtClean="0"/>
-              <a:t>2025. 03. 23.</a:t>
+              <a:t>2025.03.30.</a:t>
             </a:fld>
             <a:endParaRPr lang="hu-HU"/>
           </a:p>
@@ -3063,7 +3064,7 @@
           <a:p>
             <a:fld id="{655BF6A3-BAFE-4577-B250-CF990A4A5370}" type="datetimeFigureOut">
               <a:rPr lang="hu-HU" smtClean="0"/>
-              <a:t>2025. 03. 23.</a:t>
+              <a:t>2025.03.30.</a:t>
             </a:fld>
             <a:endParaRPr lang="hu-HU"/>
           </a:p>
@@ -3299,7 +3300,7 @@
           <a:p>
             <a:fld id="{655BF6A3-BAFE-4577-B250-CF990A4A5370}" type="datetimeFigureOut">
               <a:rPr lang="hu-HU" smtClean="0"/>
-              <a:t>2025. 03. 23.</a:t>
+              <a:t>2025.03.30.</a:t>
             </a:fld>
             <a:endParaRPr lang="hu-HU"/>
           </a:p>
@@ -3681,7 +3682,7 @@
           <a:p>
             <a:fld id="{655BF6A3-BAFE-4577-B250-CF990A4A5370}" type="datetimeFigureOut">
               <a:rPr lang="hu-HU" smtClean="0"/>
-              <a:t>2025. 03. 23.</a:t>
+              <a:t>2025.03.30.</a:t>
             </a:fld>
             <a:endParaRPr lang="hu-HU"/>
           </a:p>
@@ -3799,7 +3800,7 @@
           <a:p>
             <a:fld id="{655BF6A3-BAFE-4577-B250-CF990A4A5370}" type="datetimeFigureOut">
               <a:rPr lang="hu-HU" smtClean="0"/>
-              <a:t>2025. 03. 23.</a:t>
+              <a:t>2025.03.30.</a:t>
             </a:fld>
             <a:endParaRPr lang="hu-HU"/>
           </a:p>
@@ -3894,7 +3895,7 @@
           <a:p>
             <a:fld id="{655BF6A3-BAFE-4577-B250-CF990A4A5370}" type="datetimeFigureOut">
               <a:rPr lang="hu-HU" smtClean="0"/>
-              <a:t>2025. 03. 23.</a:t>
+              <a:t>2025.03.30.</a:t>
             </a:fld>
             <a:endParaRPr lang="hu-HU"/>
           </a:p>
@@ -4149,7 +4150,7 @@
           <a:p>
             <a:fld id="{655BF6A3-BAFE-4577-B250-CF990A4A5370}" type="datetimeFigureOut">
               <a:rPr lang="hu-HU" smtClean="0"/>
-              <a:t>2025. 03. 23.</a:t>
+              <a:t>2025.03.30.</a:t>
             </a:fld>
             <a:endParaRPr lang="hu-HU"/>
           </a:p>
@@ -4432,7 +4433,7 @@
           <a:p>
             <a:fld id="{655BF6A3-BAFE-4577-B250-CF990A4A5370}" type="datetimeFigureOut">
               <a:rPr lang="hu-HU" smtClean="0"/>
-              <a:t>2025. 03. 23.</a:t>
+              <a:t>2025.03.30.</a:t>
             </a:fld>
             <a:endParaRPr lang="hu-HU"/>
           </a:p>
@@ -4838,7 +4839,7 @@
           <a:p>
             <a:fld id="{655BF6A3-BAFE-4577-B250-CF990A4A5370}" type="datetimeFigureOut">
               <a:rPr lang="hu-HU" smtClean="0"/>
-              <a:t>2025. 03. 23.</a:t>
+              <a:t>2025.03.30.</a:t>
             </a:fld>
             <a:endParaRPr lang="hu-HU"/>
           </a:p>
@@ -5378,7 +5379,7 @@
           <p:cNvPr id="4" name="Alcím 2">
             <a:extLst>
               <a:ext uri="{FF2B5EF4-FFF2-40B4-BE49-F238E27FC236}">
-                <a16:creationId xmlns:a16="http://schemas.microsoft.com/office/drawing/2014/main" id="{AC77DA40-F8CF-79B0-DAD2-771D5CC30CED}"/>
+                <a16:creationId xmlns:a16="http://schemas.microsoft.com/office/drawing/2014/main" xmlns="" id="{AC77DA40-F8CF-79B0-DAD2-771D5CC30CED}"/>
               </a:ext>
             </a:extLst>
           </p:cNvPr>
@@ -5647,7 +5648,7 @@
           <p:cNvPr id="6" name="Szövegdoboz 5">
             <a:extLst>
               <a:ext uri="{FF2B5EF4-FFF2-40B4-BE49-F238E27FC236}">
-                <a16:creationId xmlns:a16="http://schemas.microsoft.com/office/drawing/2014/main" id="{A1BE50EF-3A6D-761D-4D03-E0F21A29FA55}"/>
+                <a16:creationId xmlns:a16="http://schemas.microsoft.com/office/drawing/2014/main" xmlns="" id="{A1BE50EF-3A6D-761D-4D03-E0F21A29FA55}"/>
               </a:ext>
             </a:extLst>
           </p:cNvPr>
@@ -5774,7 +5775,7 @@
           <p:cNvPr id="3" name="Tartalom helye 2">
             <a:extLst>
               <a:ext uri="{FF2B5EF4-FFF2-40B4-BE49-F238E27FC236}">
-                <a16:creationId xmlns:a16="http://schemas.microsoft.com/office/drawing/2014/main" id="{A8A1D00A-5A71-4353-DCFC-6EA0D9938973}"/>
+                <a16:creationId xmlns:a16="http://schemas.microsoft.com/office/drawing/2014/main" xmlns="" id="{A8A1D00A-5A71-4353-DCFC-6EA0D9938973}"/>
               </a:ext>
             </a:extLst>
           </p:cNvPr>
@@ -5839,7 +5840,7 @@
           <p:cNvPr id="6" name="Szövegdoboz 5">
             <a:extLst>
               <a:ext uri="{FF2B5EF4-FFF2-40B4-BE49-F238E27FC236}">
-                <a16:creationId xmlns:a16="http://schemas.microsoft.com/office/drawing/2014/main" id="{3664E81A-E720-2A47-F4BF-E64711643EC8}"/>
+                <a16:creationId xmlns:a16="http://schemas.microsoft.com/office/drawing/2014/main" xmlns="" id="{3664E81A-E720-2A47-F4BF-E64711643EC8}"/>
               </a:ext>
             </a:extLst>
           </p:cNvPr>
@@ -5921,7 +5922,7 @@
           <p:cNvPr id="11" name="Tartalom helye 4">
             <a:extLst>
               <a:ext uri="{FF2B5EF4-FFF2-40B4-BE49-F238E27FC236}">
-                <a16:creationId xmlns:a16="http://schemas.microsoft.com/office/drawing/2014/main" id="{CA804C89-5E5E-16D0-BEE3-B8C20DF35600}"/>
+                <a16:creationId xmlns:a16="http://schemas.microsoft.com/office/drawing/2014/main" xmlns="" id="{CA804C89-5E5E-16D0-BEE3-B8C20DF35600}"/>
               </a:ext>
             </a:extLst>
           </p:cNvPr>
@@ -6165,7 +6166,7 @@
           <p:cNvPr id="3" name="Szövegdoboz 2">
             <a:extLst>
               <a:ext uri="{FF2B5EF4-FFF2-40B4-BE49-F238E27FC236}">
-                <a16:creationId xmlns:a16="http://schemas.microsoft.com/office/drawing/2014/main" id="{DC1E0F2F-B3BA-E1A2-B12D-DA85A327B3DC}"/>
+                <a16:creationId xmlns:a16="http://schemas.microsoft.com/office/drawing/2014/main" xmlns="" id="{DC1E0F2F-B3BA-E1A2-B12D-DA85A327B3DC}"/>
               </a:ext>
             </a:extLst>
           </p:cNvPr>
@@ -6201,7 +6202,7 @@
           <p:cNvPr id="4" name="Szövegdoboz 3">
             <a:extLst>
               <a:ext uri="{FF2B5EF4-FFF2-40B4-BE49-F238E27FC236}">
-                <a16:creationId xmlns:a16="http://schemas.microsoft.com/office/drawing/2014/main" id="{BCCCF203-CA00-3B68-0502-5E147BA0F873}"/>
+                <a16:creationId xmlns:a16="http://schemas.microsoft.com/office/drawing/2014/main" xmlns="" id="{BCCCF203-CA00-3B68-0502-5E147BA0F873}"/>
               </a:ext>
             </a:extLst>
           </p:cNvPr>
@@ -6358,7 +6359,7 @@
           <p:cNvPr id="3" name="Szövegdoboz 2">
             <a:extLst>
               <a:ext uri="{FF2B5EF4-FFF2-40B4-BE49-F238E27FC236}">
-                <a16:creationId xmlns:a16="http://schemas.microsoft.com/office/drawing/2014/main" id="{DC1E0F2F-B3BA-E1A2-B12D-DA85A327B3DC}"/>
+                <a16:creationId xmlns:a16="http://schemas.microsoft.com/office/drawing/2014/main" xmlns="" id="{DC1E0F2F-B3BA-E1A2-B12D-DA85A327B3DC}"/>
               </a:ext>
             </a:extLst>
           </p:cNvPr>
@@ -6394,7 +6395,7 @@
           <p:cNvPr id="4" name="Szövegdoboz 3">
             <a:extLst>
               <a:ext uri="{FF2B5EF4-FFF2-40B4-BE49-F238E27FC236}">
-                <a16:creationId xmlns:a16="http://schemas.microsoft.com/office/drawing/2014/main" id="{BCCCF203-CA00-3B68-0502-5E147BA0F873}"/>
+                <a16:creationId xmlns:a16="http://schemas.microsoft.com/office/drawing/2014/main" xmlns="" id="{BCCCF203-CA00-3B68-0502-5E147BA0F873}"/>
               </a:ext>
             </a:extLst>
           </p:cNvPr>
@@ -6494,7 +6495,7 @@
           <p:cNvPr id="6" name="Tartalom helye 4">
             <a:extLst>
               <a:ext uri="{FF2B5EF4-FFF2-40B4-BE49-F238E27FC236}">
-                <a16:creationId xmlns:a16="http://schemas.microsoft.com/office/drawing/2014/main" id="{0B819F31-6A40-2344-4A60-EC034A61006B}"/>
+                <a16:creationId xmlns:a16="http://schemas.microsoft.com/office/drawing/2014/main" xmlns="" id="{0B819F31-6A40-2344-4A60-EC034A61006B}"/>
               </a:ext>
             </a:extLst>
           </p:cNvPr>
@@ -6572,7 +6573,7 @@
           <p:cNvPr id="5" name="Tartalom helye 4">
             <a:extLst>
               <a:ext uri="{FF2B5EF4-FFF2-40B4-BE49-F238E27FC236}">
-                <a16:creationId xmlns:a16="http://schemas.microsoft.com/office/drawing/2014/main" id="{096C439E-9BC4-9339-EABD-9CA8E468E025}"/>
+                <a16:creationId xmlns:a16="http://schemas.microsoft.com/office/drawing/2014/main" xmlns="" id="{096C439E-9BC4-9339-EABD-9CA8E468E025}"/>
               </a:ext>
             </a:extLst>
           </p:cNvPr>
@@ -6638,7 +6639,7 @@
           <p:cNvPr id="8" name="Szövegdoboz 7">
             <a:extLst>
               <a:ext uri="{FF2B5EF4-FFF2-40B4-BE49-F238E27FC236}">
-                <a16:creationId xmlns:a16="http://schemas.microsoft.com/office/drawing/2014/main" id="{DC1E0F2F-B3BA-E1A2-B12D-DA85A327B3DC}"/>
+                <a16:creationId xmlns:a16="http://schemas.microsoft.com/office/drawing/2014/main" xmlns="" id="{DC1E0F2F-B3BA-E1A2-B12D-DA85A327B3DC}"/>
               </a:ext>
             </a:extLst>
           </p:cNvPr>
@@ -6664,7 +6665,7 @@
             <a:pPr algn="ctr"/>
             <a:r>
               <a:rPr lang="hu-HU" sz="3600" dirty="0"/>
-              <a:t>Valutaváltás</a:t>
+              <a:t>Exchange</a:t>
             </a:r>
           </a:p>
         </p:txBody>
@@ -6704,7 +6705,7 @@
           <p:cNvPr id="8" name="Szövegdoboz 7">
             <a:extLst>
               <a:ext uri="{FF2B5EF4-FFF2-40B4-BE49-F238E27FC236}">
-                <a16:creationId xmlns:a16="http://schemas.microsoft.com/office/drawing/2014/main" id="{DC1E0F2F-B3BA-E1A2-B12D-DA85A327B3DC}"/>
+                <a16:creationId xmlns:a16="http://schemas.microsoft.com/office/drawing/2014/main" xmlns="" id="{DC1E0F2F-B3BA-E1A2-B12D-DA85A327B3DC}"/>
               </a:ext>
             </a:extLst>
           </p:cNvPr>
@@ -6729,25 +6730,28 @@
           <a:p>
             <a:pPr algn="ctr"/>
             <a:r>
-              <a:rPr lang="hu-HU" sz="3600" dirty="0"/>
-              <a:t>Valutaváltás és pénzküldés</a:t>
-            </a:r>
+              <a:rPr lang="hu-HU" sz="3600" dirty="0" err="1"/>
+              <a:t>Sending</a:t>
+            </a:r>
+            <a:endParaRPr lang="hu-HU" sz="3600" dirty="0"/>
           </a:p>
         </p:txBody>
       </p:sp>
       <p:pic>
         <p:nvPicPr>
-          <p:cNvPr id="4" name="Kép 3">
+          <p:cNvPr id="5" name="Tartalom helye 4">
             <a:extLst>
               <a:ext uri="{FF2B5EF4-FFF2-40B4-BE49-F238E27FC236}">
-                <a16:creationId xmlns:a16="http://schemas.microsoft.com/office/drawing/2014/main" id="{EF312A01-EE28-5417-10E0-8E00200F2BE1}"/>
+                <a16:creationId xmlns:a16="http://schemas.microsoft.com/office/drawing/2014/main" xmlns="" id="{F59B4828-BF72-360B-7BD2-28D30DFC2A60}"/>
               </a:ext>
             </a:extLst>
           </p:cNvPr>
           <p:cNvPicPr>
-            <a:picLocks noChangeAspect="1"/>
+            <a:picLocks noGrp="1" noChangeAspect="1"/>
           </p:cNvPicPr>
-          <p:nvPr/>
+          <p:nvPr>
+            <p:ph idx="1"/>
+          </p:nvPr>
         </p:nvPicPr>
         <p:blipFill>
           <a:blip r:embed="rId2">
@@ -6763,12 +6767,9 @@
         </p:blipFill>
         <p:spPr>
           <a:xfrm>
-            <a:off x="803079" y="2090509"/>
-            <a:ext cx="6751946" cy="3271099"/>
+            <a:off x="8347529" y="1485885"/>
+            <a:ext cx="2917371" cy="4831213"/>
           </a:xfrm>
-          <a:prstGeom prst="rect">
-            <a:avLst/>
-          </a:prstGeom>
           <a:effectLst>
             <a:outerShdw blurRad="50800" dist="38100" dir="16200000" rotWithShape="0">
               <a:prstClr val="black">
@@ -6779,24 +6780,202 @@
           </a:effectLst>
         </p:spPr>
       </p:pic>
+      <p:sp>
+        <p:nvSpPr>
+          <p:cNvPr id="2" name="Szövegdoboz 1">
+            <a:extLst>
+              <a:ext uri="{FF2B5EF4-FFF2-40B4-BE49-F238E27FC236}">
+                <a16:creationId xmlns:a16="http://schemas.microsoft.com/office/drawing/2014/main" xmlns="" id="{E91675B9-C8F9-11F5-D15B-5AD173D7E887}"/>
+              </a:ext>
+            </a:extLst>
+          </p:cNvPr>
+          <p:cNvSpPr txBox="1"/>
+          <p:nvPr/>
+        </p:nvSpPr>
+        <p:spPr>
+          <a:xfrm>
+            <a:off x="508000" y="1603489"/>
+            <a:ext cx="6328229" cy="400110"/>
+          </a:xfrm>
+          <a:prstGeom prst="rect">
+            <a:avLst/>
+          </a:prstGeom>
+          <a:noFill/>
+        </p:spPr>
+        <p:txBody>
+          <a:bodyPr wrap="square" rtlCol="0">
+            <a:spAutoFit/>
+          </a:bodyPr>
+          <a:lstStyle/>
+          <a:p>
+            <a:pPr marL="342900" indent="-342900">
+              <a:buFont typeface="Wingdings" panose="05000000000000000000" pitchFamily="2" charset="2"/>
+              <a:buChar char="Ø"/>
+            </a:pPr>
+            <a:r>
+              <a:rPr lang="hu-HU" sz="2000" dirty="0" err="1"/>
+              <a:t>Only</a:t>
+            </a:r>
+            <a:r>
+              <a:rPr lang="hu-HU" sz="2000" dirty="0"/>
+              <a:t> </a:t>
+            </a:r>
+            <a:r>
+              <a:rPr lang="hu-HU" sz="2000" dirty="0" err="1"/>
+              <a:t>for</a:t>
+            </a:r>
+            <a:r>
+              <a:rPr lang="hu-HU" sz="2000" dirty="0"/>
+              <a:t> </a:t>
+            </a:r>
+            <a:r>
+              <a:rPr lang="hu-HU" sz="2000" dirty="0" err="1"/>
+              <a:t>registered</a:t>
+            </a:r>
+            <a:r>
+              <a:rPr lang="hu-HU" sz="2000" dirty="0"/>
+              <a:t> </a:t>
+            </a:r>
+            <a:r>
+              <a:rPr lang="hu-HU" sz="2000" dirty="0" err="1" smtClean="0"/>
+              <a:t>users</a:t>
+            </a:r>
+            <a:r>
+              <a:rPr lang="hu-HU" sz="2000" dirty="0" smtClean="0"/>
+              <a:t> </a:t>
+            </a:r>
+            <a:r>
+              <a:rPr lang="hu-HU" sz="2000" dirty="0" err="1" smtClean="0"/>
+              <a:t>can</a:t>
+            </a:r>
+            <a:r>
+              <a:rPr lang="hu-HU" sz="2000" dirty="0" smtClean="0"/>
+              <a:t> </a:t>
+            </a:r>
+            <a:r>
+              <a:rPr lang="hu-HU" sz="2000" dirty="0" err="1" smtClean="0"/>
+              <a:t>send</a:t>
+            </a:r>
+            <a:r>
+              <a:rPr lang="hu-HU" sz="2000" dirty="0" smtClean="0"/>
+              <a:t> </a:t>
+            </a:r>
+            <a:r>
+              <a:rPr lang="hu-HU" sz="2000" dirty="0" err="1" smtClean="0"/>
+              <a:t>money</a:t>
+            </a:r>
+            <a:endParaRPr lang="hu-HU" sz="2000" dirty="0"/>
+          </a:p>
+        </p:txBody>
+      </p:sp>
+      <p:sp>
+        <p:nvSpPr>
+          <p:cNvPr id="3" name="Szövegdoboz 2">
+            <a:extLst>
+              <a:ext uri="{FF2B5EF4-FFF2-40B4-BE49-F238E27FC236}">
+                <a16:creationId xmlns:a16="http://schemas.microsoft.com/office/drawing/2014/main" xmlns="" id="{49780D18-FE6C-E0A0-A281-D4103011AF7E}"/>
+              </a:ext>
+            </a:extLst>
+          </p:cNvPr>
+          <p:cNvSpPr txBox="1"/>
+          <p:nvPr/>
+        </p:nvSpPr>
+        <p:spPr>
+          <a:xfrm>
+            <a:off x="508000" y="2324762"/>
+            <a:ext cx="5588000" cy="707886"/>
+          </a:xfrm>
+          <a:prstGeom prst="rect">
+            <a:avLst/>
+          </a:prstGeom>
+          <a:noFill/>
+        </p:spPr>
+        <p:txBody>
+          <a:bodyPr wrap="square" rtlCol="0">
+            <a:spAutoFit/>
+          </a:bodyPr>
+          <a:lstStyle/>
+          <a:p>
+            <a:pPr marL="342900" indent="-342900">
+              <a:buFont typeface="Wingdings" panose="05000000000000000000" pitchFamily="2" charset="2"/>
+              <a:buChar char="Ø"/>
+            </a:pPr>
+            <a:r>
+              <a:rPr lang="hu-HU" sz="2000" dirty="0" err="1" smtClean="0"/>
+              <a:t>Sending</a:t>
+            </a:r>
+            <a:r>
+              <a:rPr lang="hu-HU" sz="2000" dirty="0" smtClean="0"/>
+              <a:t> </a:t>
+            </a:r>
+            <a:r>
+              <a:rPr lang="hu-HU" sz="2000" dirty="0" err="1" smtClean="0"/>
+              <a:t>requires</a:t>
+            </a:r>
+            <a:r>
+              <a:rPr lang="hu-HU" sz="2000" dirty="0" smtClean="0"/>
+              <a:t> </a:t>
+            </a:r>
+            <a:r>
+              <a:rPr lang="hu-HU" sz="2000" dirty="0" err="1" smtClean="0"/>
+              <a:t>the</a:t>
+            </a:r>
+            <a:r>
+              <a:rPr lang="hu-HU" sz="2000" dirty="0" smtClean="0"/>
+              <a:t> </a:t>
+            </a:r>
+            <a:r>
+              <a:rPr lang="hu-HU" sz="2000" dirty="0" err="1" smtClean="0"/>
+              <a:t>recipient</a:t>
+            </a:r>
+            <a:r>
+              <a:rPr lang="hu-HU" sz="2000" dirty="0" err="1" smtClean="0"/>
+              <a:t>’s</a:t>
+            </a:r>
+            <a:r>
+              <a:rPr lang="hu-HU" sz="2000" dirty="0" smtClean="0"/>
+              <a:t> </a:t>
+            </a:r>
+            <a:r>
+              <a:rPr lang="hu-HU" sz="2000" dirty="0" err="1" smtClean="0"/>
+              <a:t>name</a:t>
+            </a:r>
+            <a:r>
+              <a:rPr lang="hu-HU" sz="2000" dirty="0" smtClean="0"/>
+              <a:t> </a:t>
+            </a:r>
+            <a:r>
+              <a:rPr lang="hu-HU" sz="2000" dirty="0"/>
+              <a:t>and </a:t>
+            </a:r>
+            <a:r>
+              <a:rPr lang="hu-HU" sz="2000" dirty="0" smtClean="0"/>
+              <a:t>account </a:t>
+            </a:r>
+            <a:r>
+              <a:rPr lang="hu-HU" sz="2000" dirty="0" err="1" smtClean="0"/>
+              <a:t>number</a:t>
+            </a:r>
+            <a:endParaRPr lang="hu-HU" sz="2000" dirty="0"/>
+          </a:p>
+        </p:txBody>
+      </p:sp>
       <p:pic>
         <p:nvPicPr>
-          <p:cNvPr id="5" name="Tartalom helye 4">
+          <p:cNvPr id="4" name="Kép 3">
             <a:extLst>
               <a:ext uri="{FF2B5EF4-FFF2-40B4-BE49-F238E27FC236}">
-                <a16:creationId xmlns:a16="http://schemas.microsoft.com/office/drawing/2014/main" id="{F59B4828-BF72-360B-7BD2-28D30DFC2A60}"/>
+                <a16:creationId xmlns:a16="http://schemas.microsoft.com/office/drawing/2014/main" xmlns="" id="{EF312A01-EE28-5417-10E0-8E00200F2BE1}"/>
               </a:ext>
             </a:extLst>
           </p:cNvPr>
           <p:cNvPicPr>
-            <a:picLocks noGrp="1" noChangeAspect="1"/>
+            <a:picLocks noChangeAspect="1"/>
           </p:cNvPicPr>
-          <p:nvPr>
-            <p:ph idx="1"/>
-          </p:nvPr>
+          <p:nvPr/>
         </p:nvPicPr>
         <p:blipFill>
-          <a:blip r:embed="rId3">
+          <a:blip r:embed="rId3" cstate="print">
             <a:extLst>
               <a:ext uri="{28A0092B-C50C-407E-A947-70E740481C1C}">
                 <a14:useLocalDpi xmlns:a14="http://schemas.microsoft.com/office/drawing/2010/main" val="0"/>
@@ -6809,9 +6988,12 @@
         </p:blipFill>
         <p:spPr>
           <a:xfrm>
-            <a:off x="8411029" y="1447785"/>
-            <a:ext cx="2917371" cy="4831213"/>
+            <a:off x="2793021" y="3626119"/>
+            <a:ext cx="5554508" cy="2690979"/>
           </a:xfrm>
+          <a:prstGeom prst="rect">
+            <a:avLst/>
+          </a:prstGeom>
           <a:effectLst>
             <a:outerShdw blurRad="50800" dist="38100" dir="16200000" rotWithShape="0">
               <a:prstClr val="black">
@@ -6835,6 +7017,701 @@
 </p:sld>
 </file>
 
+<file path=ppt/slides/slide7.xml><?xml version="1.0" encoding="utf-8"?>
+<p:sld xmlns:a="http://schemas.openxmlformats.org/drawingml/2006/main" xmlns:r="http://schemas.openxmlformats.org/officeDocument/2006/relationships" xmlns:p="http://schemas.openxmlformats.org/presentationml/2006/main">
+  <p:cSld>
+    <p:spTree>
+      <p:nvGrpSpPr>
+        <p:cNvPr id="1" name=""/>
+        <p:cNvGrpSpPr/>
+        <p:nvPr/>
+      </p:nvGrpSpPr>
+      <p:grpSpPr>
+        <a:xfrm>
+          <a:off x="0" y="0"/>
+          <a:ext cx="0" cy="0"/>
+          <a:chOff x="0" y="0"/>
+          <a:chExt cx="0" cy="0"/>
+        </a:xfrm>
+      </p:grpSpPr>
+      <p:pic>
+        <p:nvPicPr>
+          <p:cNvPr id="7" name="Kép 6"/>
+          <p:cNvPicPr>
+            <a:picLocks noChangeAspect="1"/>
+          </p:cNvPicPr>
+          <p:nvPr/>
+        </p:nvPicPr>
+        <p:blipFill>
+          <a:blip r:embed="rId2"/>
+          <a:stretch>
+            <a:fillRect/>
+          </a:stretch>
+        </p:blipFill>
+        <p:spPr>
+          <a:xfrm flipH="1">
+            <a:off x="-1" y="0"/>
+            <a:ext cx="12192001" cy="6858000"/>
+          </a:xfrm>
+          <a:prstGeom prst="rect">
+            <a:avLst/>
+          </a:prstGeom>
+        </p:spPr>
+      </p:pic>
+      <p:sp>
+        <p:nvSpPr>
+          <p:cNvPr id="3" name="Tartalom helye 2">
+            <a:extLst>
+              <a:ext uri="{FF2B5EF4-FFF2-40B4-BE49-F238E27FC236}">
+                <a16:creationId xmlns:a16="http://schemas.microsoft.com/office/drawing/2014/main" xmlns="" id="{DEEA44ED-EACD-EEEC-0EF9-2CD64EFB04AD}"/>
+              </a:ext>
+            </a:extLst>
+          </p:cNvPr>
+          <p:cNvSpPr>
+            <a:spLocks noGrp="1"/>
+          </p:cNvSpPr>
+          <p:nvPr>
+            <p:ph idx="1"/>
+          </p:nvPr>
+        </p:nvSpPr>
+        <p:spPr>
+          <a:xfrm>
+            <a:off x="6983412" y="1103531"/>
+            <a:ext cx="4738688" cy="4845407"/>
+          </a:xfrm>
+        </p:spPr>
+        <p:txBody>
+          <a:bodyPr/>
+          <a:lstStyle/>
+          <a:p>
+            <a:r>
+              <a:rPr lang="hu-HU" dirty="0" smtClean="0">
+                <a:solidFill>
+                  <a:schemeClr val="tx1"/>
+                </a:solidFill>
+              </a:rPr>
+              <a:t>The </a:t>
+            </a:r>
+            <a:r>
+              <a:rPr lang="hu-HU" dirty="0" err="1" smtClean="0">
+                <a:solidFill>
+                  <a:schemeClr val="tx1"/>
+                </a:solidFill>
+              </a:rPr>
+              <a:t>transaction</a:t>
+            </a:r>
+            <a:r>
+              <a:rPr lang="hu-HU" dirty="0" smtClean="0">
+                <a:solidFill>
+                  <a:schemeClr val="tx1"/>
+                </a:solidFill>
+              </a:rPr>
+              <a:t> </a:t>
+            </a:r>
+            <a:r>
+              <a:rPr lang="hu-HU" dirty="0" err="1" smtClean="0">
+                <a:solidFill>
+                  <a:schemeClr val="tx1"/>
+                </a:solidFill>
+              </a:rPr>
+              <a:t>data</a:t>
+            </a:r>
+            <a:r>
+              <a:rPr lang="hu-HU" dirty="0" smtClean="0">
+                <a:solidFill>
+                  <a:schemeClr val="tx1"/>
+                </a:solidFill>
+              </a:rPr>
+              <a:t> is </a:t>
+            </a:r>
+            <a:r>
+              <a:rPr lang="hu-HU" dirty="0" err="1" smtClean="0">
+                <a:solidFill>
+                  <a:schemeClr val="tx1"/>
+                </a:solidFill>
+              </a:rPr>
+              <a:t>stored</a:t>
+            </a:r>
+            <a:r>
+              <a:rPr lang="hu-HU" dirty="0">
+                <a:solidFill>
+                  <a:schemeClr val="tx1"/>
+                </a:solidFill>
+              </a:rPr>
+              <a:t> </a:t>
+            </a:r>
+            <a:r>
+              <a:rPr lang="hu-HU" dirty="0" err="1" smtClean="0">
+                <a:solidFill>
+                  <a:schemeClr val="tx1"/>
+                </a:solidFill>
+              </a:rPr>
+              <a:t>after</a:t>
+            </a:r>
+            <a:r>
+              <a:rPr lang="hu-HU" dirty="0" smtClean="0">
+                <a:solidFill>
+                  <a:schemeClr val="tx1"/>
+                </a:solidFill>
+              </a:rPr>
+              <a:t> </a:t>
+            </a:r>
+            <a:r>
+              <a:rPr lang="hu-HU" dirty="0" err="1" smtClean="0">
+                <a:solidFill>
+                  <a:schemeClr val="tx1"/>
+                </a:solidFill>
+              </a:rPr>
+              <a:t>sending</a:t>
+            </a:r>
+            <a:r>
+              <a:rPr lang="hu-HU" dirty="0" smtClean="0">
+                <a:solidFill>
+                  <a:schemeClr val="tx1"/>
+                </a:solidFill>
+              </a:rPr>
+              <a:t>.</a:t>
+            </a:r>
+          </a:p>
+          <a:p>
+            <a:r>
+              <a:rPr lang="hu-HU" dirty="0" smtClean="0">
+                <a:solidFill>
+                  <a:schemeClr val="tx1"/>
+                </a:solidFill>
+              </a:rPr>
+              <a:t>The </a:t>
+            </a:r>
+            <a:r>
+              <a:rPr lang="hu-HU" dirty="0" err="1" smtClean="0">
+                <a:solidFill>
+                  <a:schemeClr val="tx1"/>
+                </a:solidFill>
+              </a:rPr>
+              <a:t>logged</a:t>
+            </a:r>
+            <a:r>
+              <a:rPr lang="hu-HU" dirty="0" smtClean="0">
+                <a:solidFill>
+                  <a:schemeClr val="tx1"/>
+                </a:solidFill>
+              </a:rPr>
+              <a:t> </a:t>
+            </a:r>
+            <a:r>
+              <a:rPr lang="hu-HU" dirty="0" err="1" smtClean="0">
+                <a:solidFill>
+                  <a:schemeClr val="tx1"/>
+                </a:solidFill>
+              </a:rPr>
+              <a:t>in</a:t>
+            </a:r>
+            <a:r>
+              <a:rPr lang="hu-HU" dirty="0" smtClean="0">
+                <a:solidFill>
+                  <a:schemeClr val="tx1"/>
+                </a:solidFill>
+              </a:rPr>
+              <a:t> </a:t>
+            </a:r>
+            <a:r>
+              <a:rPr lang="hu-HU" dirty="0" err="1">
+                <a:solidFill>
+                  <a:schemeClr val="tx1"/>
+                </a:solidFill>
+              </a:rPr>
+              <a:t>users</a:t>
+            </a:r>
+            <a:r>
+              <a:rPr lang="hu-HU" dirty="0">
+                <a:solidFill>
+                  <a:schemeClr val="tx1"/>
+                </a:solidFill>
+              </a:rPr>
+              <a:t> </a:t>
+            </a:r>
+            <a:r>
+              <a:rPr lang="hu-HU" dirty="0" err="1">
+                <a:solidFill>
+                  <a:schemeClr val="tx1"/>
+                </a:solidFill>
+              </a:rPr>
+              <a:t>can</a:t>
+            </a:r>
+            <a:r>
+              <a:rPr lang="hu-HU" dirty="0">
+                <a:solidFill>
+                  <a:schemeClr val="tx1"/>
+                </a:solidFill>
+              </a:rPr>
+              <a:t> </a:t>
+            </a:r>
+            <a:r>
+              <a:rPr lang="hu-HU" dirty="0" err="1">
+                <a:solidFill>
+                  <a:schemeClr val="tx1"/>
+                </a:solidFill>
+              </a:rPr>
+              <a:t>see</a:t>
+            </a:r>
+            <a:r>
+              <a:rPr lang="hu-HU" dirty="0">
+                <a:solidFill>
+                  <a:schemeClr val="tx1"/>
+                </a:solidFill>
+              </a:rPr>
+              <a:t> </a:t>
+            </a:r>
+            <a:r>
+              <a:rPr lang="hu-HU" dirty="0" err="1">
+                <a:solidFill>
+                  <a:schemeClr val="tx1"/>
+                </a:solidFill>
+              </a:rPr>
+              <a:t>their</a:t>
+            </a:r>
+            <a:r>
+              <a:rPr lang="hu-HU" dirty="0">
+                <a:solidFill>
+                  <a:schemeClr val="tx1"/>
+                </a:solidFill>
+              </a:rPr>
+              <a:t> </a:t>
+            </a:r>
+            <a:r>
+              <a:rPr lang="hu-HU" dirty="0" err="1" smtClean="0">
+                <a:solidFill>
+                  <a:schemeClr val="tx1"/>
+                </a:solidFill>
+              </a:rPr>
+              <a:t>previous</a:t>
+            </a:r>
+            <a:r>
+              <a:rPr lang="hu-HU" dirty="0" smtClean="0">
+                <a:solidFill>
+                  <a:schemeClr val="tx1"/>
+                </a:solidFill>
+              </a:rPr>
+              <a:t> </a:t>
+            </a:r>
+            <a:r>
+              <a:rPr lang="hu-HU" dirty="0" err="1">
+                <a:solidFill>
+                  <a:schemeClr val="tx1"/>
+                </a:solidFill>
+              </a:rPr>
+              <a:t>transactions</a:t>
+            </a:r>
+            <a:r>
+              <a:rPr lang="hu-HU" dirty="0" smtClean="0">
+                <a:solidFill>
+                  <a:schemeClr val="tx1"/>
+                </a:solidFill>
+              </a:rPr>
+              <a:t>.</a:t>
+            </a:r>
+          </a:p>
+          <a:p>
+            <a:pPr marL="0" indent="0">
+              <a:buNone/>
+            </a:pPr>
+            <a:endParaRPr lang="hu-HU" dirty="0">
+              <a:solidFill>
+                <a:schemeClr val="tx1"/>
+              </a:solidFill>
+            </a:endParaRPr>
+          </a:p>
+          <a:p>
+            <a:r>
+              <a:rPr lang="hu-HU" dirty="0" smtClean="0">
+                <a:solidFill>
+                  <a:schemeClr val="tx1"/>
+                </a:solidFill>
+              </a:rPr>
+              <a:t>The </a:t>
+            </a:r>
+            <a:r>
+              <a:rPr lang="hu-HU" dirty="0" err="1" smtClean="0">
+                <a:solidFill>
+                  <a:schemeClr val="tx1"/>
+                </a:solidFill>
+              </a:rPr>
+              <a:t>previous</a:t>
+            </a:r>
+            <a:r>
+              <a:rPr lang="hu-HU" dirty="0" smtClean="0">
+                <a:solidFill>
+                  <a:schemeClr val="tx1"/>
+                </a:solidFill>
+              </a:rPr>
+              <a:t> </a:t>
+            </a:r>
+            <a:r>
+              <a:rPr lang="hu-HU" dirty="0" err="1" smtClean="0">
+                <a:solidFill>
+                  <a:schemeClr val="tx1"/>
+                </a:solidFill>
+              </a:rPr>
+              <a:t>transactions</a:t>
+            </a:r>
+            <a:r>
+              <a:rPr lang="hu-HU" dirty="0" smtClean="0">
+                <a:solidFill>
+                  <a:schemeClr val="tx1"/>
+                </a:solidFill>
+              </a:rPr>
+              <a:t> </a:t>
+            </a:r>
+            <a:r>
+              <a:rPr lang="hu-HU" dirty="0" err="1" smtClean="0">
+                <a:solidFill>
+                  <a:schemeClr val="tx1"/>
+                </a:solidFill>
+              </a:rPr>
+              <a:t>are</a:t>
+            </a:r>
+            <a:r>
+              <a:rPr lang="hu-HU" dirty="0" smtClean="0">
+                <a:solidFill>
+                  <a:schemeClr val="tx1"/>
+                </a:solidFill>
+              </a:rPr>
+              <a:t> </a:t>
+            </a:r>
+            <a:r>
+              <a:rPr lang="hu-HU" dirty="0" err="1" smtClean="0">
+                <a:solidFill>
+                  <a:schemeClr val="tx1"/>
+                </a:solidFill>
+              </a:rPr>
+              <a:t>listed</a:t>
+            </a:r>
+            <a:r>
+              <a:rPr lang="hu-HU" dirty="0" smtClean="0">
+                <a:solidFill>
+                  <a:schemeClr val="tx1"/>
+                </a:solidFill>
+              </a:rPr>
+              <a:t> </a:t>
+            </a:r>
+            <a:r>
+              <a:rPr lang="hu-HU" dirty="0" err="1">
+                <a:solidFill>
+                  <a:schemeClr val="tx1"/>
+                </a:solidFill>
+              </a:rPr>
+              <a:t>by</a:t>
+            </a:r>
+            <a:r>
+              <a:rPr lang="hu-HU" dirty="0">
+                <a:solidFill>
+                  <a:schemeClr val="tx1"/>
+                </a:solidFill>
+              </a:rPr>
+              <a:t> </a:t>
+            </a:r>
+            <a:r>
+              <a:rPr lang="hu-HU" dirty="0" err="1">
+                <a:solidFill>
+                  <a:schemeClr val="tx1"/>
+                </a:solidFill>
+              </a:rPr>
+              <a:t>date</a:t>
+            </a:r>
+            <a:r>
+              <a:rPr lang="hu-HU" dirty="0">
+                <a:solidFill>
+                  <a:schemeClr val="tx1"/>
+                </a:solidFill>
+              </a:rPr>
+              <a:t> </a:t>
+            </a:r>
+            <a:r>
+              <a:rPr lang="hu-HU" dirty="0" err="1">
+                <a:solidFill>
+                  <a:schemeClr val="tx1"/>
+                </a:solidFill>
+              </a:rPr>
+              <a:t>with</a:t>
+            </a:r>
+            <a:r>
+              <a:rPr lang="hu-HU" dirty="0">
+                <a:solidFill>
+                  <a:schemeClr val="tx1"/>
+                </a:solidFill>
+              </a:rPr>
+              <a:t> </a:t>
+            </a:r>
+            <a:r>
+              <a:rPr lang="hu-HU" dirty="0" err="1">
+                <a:solidFill>
+                  <a:schemeClr val="tx1"/>
+                </a:solidFill>
+              </a:rPr>
+              <a:t>the</a:t>
+            </a:r>
+            <a:r>
+              <a:rPr lang="hu-HU" dirty="0">
+                <a:solidFill>
+                  <a:schemeClr val="tx1"/>
+                </a:solidFill>
+              </a:rPr>
+              <a:t> most </a:t>
+            </a:r>
+            <a:r>
+              <a:rPr lang="hu-HU" dirty="0" err="1">
+                <a:solidFill>
+                  <a:schemeClr val="tx1"/>
+                </a:solidFill>
+              </a:rPr>
+              <a:t>recent</a:t>
+            </a:r>
+            <a:r>
+              <a:rPr lang="hu-HU" dirty="0">
+                <a:solidFill>
+                  <a:schemeClr val="tx1"/>
+                </a:solidFill>
+              </a:rPr>
+              <a:t> </a:t>
+            </a:r>
+            <a:r>
+              <a:rPr lang="hu-HU" dirty="0" err="1">
+                <a:solidFill>
+                  <a:schemeClr val="tx1"/>
+                </a:solidFill>
+              </a:rPr>
+              <a:t>one</a:t>
+            </a:r>
+            <a:r>
+              <a:rPr lang="hu-HU" dirty="0">
+                <a:solidFill>
+                  <a:schemeClr val="tx1"/>
+                </a:solidFill>
+              </a:rPr>
+              <a:t> </a:t>
+            </a:r>
+            <a:r>
+              <a:rPr lang="hu-HU" dirty="0" err="1">
+                <a:solidFill>
+                  <a:schemeClr val="tx1"/>
+                </a:solidFill>
+              </a:rPr>
+              <a:t>on</a:t>
+            </a:r>
+            <a:r>
+              <a:rPr lang="hu-HU" dirty="0">
+                <a:solidFill>
+                  <a:schemeClr val="tx1"/>
+                </a:solidFill>
+              </a:rPr>
+              <a:t> top.</a:t>
+            </a:r>
+          </a:p>
+          <a:p>
+            <a:r>
+              <a:rPr lang="hu-HU" dirty="0" smtClean="0">
+                <a:solidFill>
+                  <a:schemeClr val="tx1"/>
+                </a:solidFill>
+              </a:rPr>
+              <a:t>The </a:t>
+            </a:r>
+            <a:r>
+              <a:rPr lang="hu-HU" dirty="0" err="1" smtClean="0">
+                <a:solidFill>
+                  <a:schemeClr val="tx1"/>
+                </a:solidFill>
+              </a:rPr>
+              <a:t>transaction</a:t>
+            </a:r>
+            <a:r>
+              <a:rPr lang="hu-HU" dirty="0" smtClean="0">
+                <a:solidFill>
+                  <a:schemeClr val="tx1"/>
+                </a:solidFill>
+              </a:rPr>
+              <a:t> </a:t>
+            </a:r>
+            <a:r>
+              <a:rPr lang="hu-HU" dirty="0" err="1" smtClean="0">
+                <a:solidFill>
+                  <a:schemeClr val="tx1"/>
+                </a:solidFill>
+              </a:rPr>
+              <a:t>history</a:t>
+            </a:r>
+            <a:r>
+              <a:rPr lang="hu-HU" dirty="0" smtClean="0">
+                <a:solidFill>
+                  <a:schemeClr val="tx1"/>
+                </a:solidFill>
+              </a:rPr>
+              <a:t> is </a:t>
+            </a:r>
+            <a:r>
+              <a:rPr lang="hu-HU" dirty="0" err="1" smtClean="0">
+                <a:solidFill>
+                  <a:schemeClr val="tx1"/>
+                </a:solidFill>
+              </a:rPr>
+              <a:t>deleted</a:t>
+            </a:r>
+            <a:r>
+              <a:rPr lang="hu-HU" dirty="0" smtClean="0">
+                <a:solidFill>
+                  <a:schemeClr val="tx1"/>
+                </a:solidFill>
+              </a:rPr>
+              <a:t> </a:t>
+            </a:r>
+            <a:r>
+              <a:rPr lang="hu-HU" dirty="0" err="1" smtClean="0">
+                <a:solidFill>
+                  <a:schemeClr val="tx1"/>
+                </a:solidFill>
+              </a:rPr>
+              <a:t>when</a:t>
+            </a:r>
+            <a:r>
+              <a:rPr lang="hu-HU" dirty="0" smtClean="0">
+                <a:solidFill>
+                  <a:schemeClr val="tx1"/>
+                </a:solidFill>
+              </a:rPr>
+              <a:t> </a:t>
+            </a:r>
+            <a:r>
+              <a:rPr lang="hu-HU" dirty="0" err="1" smtClean="0">
+                <a:solidFill>
+                  <a:schemeClr val="tx1"/>
+                </a:solidFill>
+              </a:rPr>
+              <a:t>the</a:t>
+            </a:r>
+            <a:r>
+              <a:rPr lang="hu-HU" dirty="0" smtClean="0">
+                <a:solidFill>
+                  <a:schemeClr val="tx1"/>
+                </a:solidFill>
+              </a:rPr>
+              <a:t> account is </a:t>
+            </a:r>
+            <a:r>
+              <a:rPr lang="hu-HU" dirty="0" err="1" smtClean="0">
+                <a:solidFill>
+                  <a:schemeClr val="tx1"/>
+                </a:solidFill>
+              </a:rPr>
+              <a:t>deleted</a:t>
+            </a:r>
+            <a:r>
+              <a:rPr lang="hu-HU" dirty="0" smtClean="0">
+                <a:solidFill>
+                  <a:schemeClr val="tx1"/>
+                </a:solidFill>
+              </a:rPr>
+              <a:t>.</a:t>
+            </a:r>
+            <a:endParaRPr lang="hu-HU" dirty="0">
+              <a:solidFill>
+                <a:schemeClr val="tx1"/>
+              </a:solidFill>
+            </a:endParaRPr>
+          </a:p>
+        </p:txBody>
+      </p:sp>
+      <p:pic>
+        <p:nvPicPr>
+          <p:cNvPr id="4" name="Kép 3"/>
+          <p:cNvPicPr>
+            <a:picLocks noChangeAspect="1"/>
+          </p:cNvPicPr>
+          <p:nvPr/>
+        </p:nvPicPr>
+        <p:blipFill rotWithShape="1">
+          <a:blip r:embed="rId3">
+            <a:extLst>
+              <a:ext uri="{28A0092B-C50C-407E-A947-70E740481C1C}">
+                <a14:useLocalDpi xmlns:a14="http://schemas.microsoft.com/office/drawing/2010/main" val="0"/>
+              </a:ext>
+            </a:extLst>
+          </a:blip>
+          <a:srcRect b="4921"/>
+          <a:stretch/>
+        </p:blipFill>
+        <p:spPr>
+          <a:xfrm>
+            <a:off x="101861" y="1751230"/>
+            <a:ext cx="6779690" cy="3550009"/>
+          </a:xfrm>
+          <a:prstGeom prst="roundRect">
+            <a:avLst>
+              <a:gd name="adj" fmla="val 8594"/>
+            </a:avLst>
+          </a:prstGeom>
+          <a:solidFill>
+            <a:srgbClr val="FFFFFF">
+              <a:shade val="85000"/>
+            </a:srgbClr>
+          </a:solidFill>
+          <a:ln>
+            <a:noFill/>
+          </a:ln>
+          <a:effectLst>
+            <a:reflection blurRad="12700" stA="38000" endPos="28000" dist="5000" dir="5400000" sy="-100000" algn="bl" rotWithShape="0"/>
+          </a:effectLst>
+        </p:spPr>
+      </p:pic>
+      <p:sp>
+        <p:nvSpPr>
+          <p:cNvPr id="5" name="Szövegdoboz 4">
+            <a:extLst>
+              <a:ext uri="{FF2B5EF4-FFF2-40B4-BE49-F238E27FC236}">
+                <a16:creationId xmlns:a16="http://schemas.microsoft.com/office/drawing/2014/main" xmlns="" id="{DC1E0F2F-B3BA-E1A2-B12D-DA85A327B3DC}"/>
+              </a:ext>
+            </a:extLst>
+          </p:cNvPr>
+          <p:cNvSpPr txBox="1"/>
+          <p:nvPr/>
+        </p:nvSpPr>
+        <p:spPr>
+          <a:xfrm>
+            <a:off x="1042416" y="457200"/>
+            <a:ext cx="9774936" cy="646331"/>
+          </a:xfrm>
+          <a:prstGeom prst="rect">
+            <a:avLst/>
+          </a:prstGeom>
+          <a:noFill/>
+        </p:spPr>
+        <p:txBody>
+          <a:bodyPr wrap="square" rtlCol="0">
+            <a:spAutoFit/>
+          </a:bodyPr>
+          <a:lstStyle/>
+          <a:p>
+            <a:pPr algn="ctr"/>
+            <a:r>
+              <a:rPr lang="hu-HU" sz="3600" dirty="0" err="1" smtClean="0"/>
+              <a:t>Transactions</a:t>
+            </a:r>
+            <a:endParaRPr lang="hu-HU" sz="3600" dirty="0"/>
+          </a:p>
+        </p:txBody>
+      </p:sp>
+    </p:spTree>
+    <p:extLst>
+      <p:ext uri="{BB962C8B-B14F-4D97-AF65-F5344CB8AC3E}">
+        <p14:creationId xmlns:p14="http://schemas.microsoft.com/office/powerpoint/2010/main" val="3001768335"/>
+      </p:ext>
+    </p:extLst>
+  </p:cSld>
+  <p:clrMapOvr>
+    <a:masterClrMapping/>
+  </p:clrMapOvr>
+</p:sld>
+</file>
+
 <file path=ppt/theme/theme1.xml><?xml version="1.0" encoding="utf-8"?>
 <a:theme xmlns:a="http://schemas.openxmlformats.org/drawingml/2006/main" name="Szelet">
   <a:themeElements>
@@ -6843,7 +7720,7 @@
         <a:sysClr val="windowText" lastClr="000000"/>
       </a:dk1>
       <a:lt1>
-        <a:sysClr val="window" lastClr="CF9E9E"/>
+        <a:sysClr val="window" lastClr="FFFFFF"/>
       </a:lt1>
       <a:dk2>
         <a:srgbClr val="537D0B"/>
